--- a/University_of_Waterloo/Fall_2021/MATH135/UW_Fall2021_MATH135_Lecture6.pptx
+++ b/University_of_Waterloo/Fall_2021/MATH135/UW_Fall2021_MATH135_Lecture6.pptx
@@ -219,7 +219,7 @@
           <a:p>
             <a:fld id="{FDFA072B-9469-468D-A7B7-ED2DE3498A74}" type="datetimeFigureOut">
               <a:rPr lang="en-US" smtClean="0"/>
-              <a:t>9/20/2021</a:t>
+              <a:t>9/24/2021</a:t>
             </a:fld>
             <a:endParaRPr lang="en-US"/>
           </a:p>
@@ -969,7 +969,7 @@
           <a:p>
             <a:fld id="{1C2423CD-2273-4DC4-8E3F-83883238502A}" type="datetime1">
               <a:rPr lang="en-US" smtClean="0"/>
-              <a:t>9/20/2021</a:t>
+              <a:t>9/24/2021</a:t>
             </a:fld>
             <a:endParaRPr lang="en-US"/>
           </a:p>
@@ -1146,7 +1146,7 @@
           <a:p>
             <a:fld id="{798285AA-0DCE-4B51-9123-EC4AC79557F9}" type="datetime1">
               <a:rPr lang="en-US" smtClean="0"/>
-              <a:t>9/20/2021</a:t>
+              <a:t>9/24/2021</a:t>
             </a:fld>
             <a:endParaRPr lang="en-US"/>
           </a:p>
@@ -1358,7 +1358,7 @@
           <a:p>
             <a:fld id="{1BCBA4FB-A7F6-42FA-8CC6-75C3908C54C0}" type="datetime1">
               <a:rPr lang="en-US" smtClean="0"/>
-              <a:t>9/20/2021</a:t>
+              <a:t>9/24/2021</a:t>
             </a:fld>
             <a:endParaRPr lang="en-US"/>
           </a:p>
@@ -1560,7 +1560,7 @@
           <a:p>
             <a:fld id="{FF98B6DF-C511-453D-80D1-6A936F24DDAD}" type="datetime1">
               <a:rPr lang="en-US" smtClean="0"/>
-              <a:t>9/20/2021</a:t>
+              <a:t>9/24/2021</a:t>
             </a:fld>
             <a:endParaRPr lang="en-US"/>
           </a:p>
@@ -1839,7 +1839,7 @@
           <a:p>
             <a:fld id="{4589B1C4-3072-46BA-82C6-A48724D00CAB}" type="datetime1">
               <a:rPr lang="en-US" smtClean="0"/>
-              <a:t>9/20/2021</a:t>
+              <a:t>9/24/2021</a:t>
             </a:fld>
             <a:endParaRPr lang="en-US"/>
           </a:p>
@@ -2108,7 +2108,7 @@
           <a:p>
             <a:fld id="{76F95E83-A363-46BB-8E14-19BADAC5D9FE}" type="datetime1">
               <a:rPr lang="en-US" smtClean="0"/>
-              <a:t>9/20/2021</a:t>
+              <a:t>9/24/2021</a:t>
             </a:fld>
             <a:endParaRPr lang="en-US"/>
           </a:p>
@@ -2524,7 +2524,7 @@
           <a:p>
             <a:fld id="{97442E9A-7D8A-46F5-9106-F2FD57E08547}" type="datetime1">
               <a:rPr lang="en-US" smtClean="0"/>
-              <a:t>9/20/2021</a:t>
+              <a:t>9/24/2021</a:t>
             </a:fld>
             <a:endParaRPr lang="en-US"/>
           </a:p>
@@ -2669,7 +2669,7 @@
           <a:p>
             <a:fld id="{9A7168F9-25D4-43D1-9D40-3A911DA1FF47}" type="datetime1">
               <a:rPr lang="en-US" smtClean="0"/>
-              <a:t>9/20/2021</a:t>
+              <a:t>9/24/2021</a:t>
             </a:fld>
             <a:endParaRPr lang="en-US"/>
           </a:p>
@@ -2786,7 +2786,7 @@
           <a:p>
             <a:fld id="{C40F1D92-52DE-4FA4-BF89-650DC17B91CE}" type="datetime1">
               <a:rPr lang="en-US" smtClean="0"/>
-              <a:t>9/20/2021</a:t>
+              <a:t>9/24/2021</a:t>
             </a:fld>
             <a:endParaRPr lang="en-US"/>
           </a:p>
@@ -3101,7 +3101,7 @@
           <a:p>
             <a:fld id="{FD36810C-E8AC-4C34-BC13-2B0240CC477A}" type="datetime1">
               <a:rPr lang="en-US" smtClean="0"/>
-              <a:t>9/20/2021</a:t>
+              <a:t>9/24/2021</a:t>
             </a:fld>
             <a:endParaRPr lang="en-US"/>
           </a:p>
@@ -3393,7 +3393,7 @@
           <a:p>
             <a:fld id="{83FFA161-7F83-4796-A0A2-12AE4E5369DE}" type="datetime1">
               <a:rPr lang="en-US" smtClean="0"/>
-              <a:t>9/20/2021</a:t>
+              <a:t>9/24/2021</a:t>
             </a:fld>
             <a:endParaRPr lang="en-US"/>
           </a:p>
@@ -3638,7 +3638,7 @@
           <a:p>
             <a:fld id="{2838366F-C4C1-4766-8824-82CE78B09586}" type="datetime1">
               <a:rPr lang="en-US" smtClean="0"/>
-              <a:t>9/20/2021</a:t>
+              <a:t>9/24/2021</a:t>
             </a:fld>
             <a:endParaRPr lang="en-US"/>
           </a:p>
@@ -6302,7 +6302,7 @@
                   <a:srgbClr val="3333FF"/>
                 </a:solidFill>
               </a:rPr>
-              <a:t>ℚ</a:t>
+              <a:t>ℚ?</a:t>
             </a:r>
             <a:r>
               <a:rPr lang="en-US" sz="2750" b="1" i="1" u="sng" dirty="0">
@@ -6414,7 +6414,7 @@
                   <a:srgbClr val="3333FF"/>
                 </a:solidFill>
               </a:rPr>
-              <a:t>It says nothing about Charlie’s impact on Nike.</a:t>
+              <a:t>Nike goes when Charlie goes, but is it only when Charlie goes?</a:t>
             </a:r>
           </a:p>
           <a:p>
@@ -7079,10 +7079,7 @@
           <a:lstStyle/>
           <a:p>
             <a:pPr lvl="1" algn="ctr"/>
-            <a:r>
-              <a:rPr lang="en-US" sz="4000" b="1" u="sng" dirty="0"/>
-              <a:t>Or does it?</a:t>
-            </a:r>
+            <a:endParaRPr lang="en-US" sz="4000" b="1" u="sng" dirty="0"/>
           </a:p>
           <a:p>
             <a:pPr marL="285750" indent="-285750">
@@ -7350,7 +7347,7 @@
                   <a:srgbClr val="3333FF"/>
                 </a:solidFill>
               </a:rPr>
-              <a:t>B</a:t>
+              <a:t>B?</a:t>
             </a:r>
             <a:r>
               <a:rPr lang="en-US" sz="2750" b="1" i="1" u="sng" dirty="0">
@@ -8693,6 +8690,56 @@
           </a:p>
         </p:txBody>
       </p:sp>
+      <p:sp>
+        <p:nvSpPr>
+          <p:cNvPr id="6" name="TextBox 5">
+            <a:extLst>
+              <a:ext uri="{FF2B5EF4-FFF2-40B4-BE49-F238E27FC236}">
+                <a16:creationId xmlns:a16="http://schemas.microsoft.com/office/drawing/2014/main" id="{C2A01AC4-7861-434D-9D0D-41FB28576257}"/>
+              </a:ext>
+            </a:extLst>
+          </p:cNvPr>
+          <p:cNvSpPr txBox="1"/>
+          <p:nvPr/>
+        </p:nvSpPr>
+        <p:spPr>
+          <a:xfrm>
+            <a:off x="-227961" y="3238559"/>
+            <a:ext cx="11944524" cy="1369606"/>
+          </a:xfrm>
+          <a:prstGeom prst="rect">
+            <a:avLst/>
+          </a:prstGeom>
+          <a:noFill/>
+        </p:spPr>
+        <p:txBody>
+          <a:bodyPr wrap="square" rtlCol="0">
+            <a:spAutoFit/>
+          </a:bodyPr>
+          <a:lstStyle/>
+          <a:p>
+            <a:pPr lvl="1" algn="ctr"/>
+            <a:endParaRPr lang="en-US" sz="4000" b="1" u="sng" dirty="0"/>
+          </a:p>
+          <a:p>
+            <a:pPr marL="285750" indent="-285750">
+              <a:buFont typeface="Arial" panose="020B0604020202020204" pitchFamily="34" charset="0"/>
+              <a:buChar char="•"/>
+            </a:pPr>
+            <a:endParaRPr lang="en-US" sz="1100" dirty="0"/>
+          </a:p>
+          <a:p>
+            <a:pPr marL="914400" lvl="1" indent="-457200" algn="ctr">
+              <a:buFont typeface="Arial" panose="020B0604020202020204" pitchFamily="34" charset="0"/>
+              <a:buChar char="•"/>
+            </a:pPr>
+            <a:r>
+              <a:rPr lang="en-US" sz="3200" dirty="0"/>
+              <a:t>Two different meanings of the word “if” !!! Confusing!</a:t>
+            </a:r>
+          </a:p>
+        </p:txBody>
+      </p:sp>
     </p:spTree>
     <p:extLst>
       <p:ext uri="{BB962C8B-B14F-4D97-AF65-F5344CB8AC3E}">
@@ -8910,6 +8957,51 @@
                       </p:childTnLst>
                     </p:cTn>
                   </p:par>
+                  <p:par>
+                    <p:cTn id="19" fill="hold">
+                      <p:stCondLst>
+                        <p:cond delay="indefinite"/>
+                      </p:stCondLst>
+                      <p:childTnLst>
+                        <p:par>
+                          <p:cTn id="20" fill="hold">
+                            <p:stCondLst>
+                              <p:cond delay="0"/>
+                            </p:stCondLst>
+                            <p:childTnLst>
+                              <p:par>
+                                <p:cTn id="21" presetID="1" presetClass="entr" presetSubtype="0" fill="hold" grpId="0" nodeType="clickEffect">
+                                  <p:stCondLst>
+                                    <p:cond delay="0"/>
+                                  </p:stCondLst>
+                                  <p:childTnLst>
+                                    <p:set>
+                                      <p:cBhvr>
+                                        <p:cTn id="22" dur="1" fill="hold">
+                                          <p:stCondLst>
+                                            <p:cond delay="0"/>
+                                          </p:stCondLst>
+                                        </p:cTn>
+                                        <p:tgtEl>
+                                          <p:spTgt spid="6"/>
+                                        </p:tgtEl>
+                                        <p:attrNameLst>
+                                          <p:attrName>style.visibility</p:attrName>
+                                        </p:attrNameLst>
+                                      </p:cBhvr>
+                                      <p:to>
+                                        <p:strVal val="visible"/>
+                                      </p:to>
+                                    </p:set>
+                                  </p:childTnLst>
+                                </p:cTn>
+                              </p:par>
+                            </p:childTnLst>
+                          </p:cTn>
+                        </p:par>
+                      </p:childTnLst>
+                    </p:cTn>
+                  </p:par>
                 </p:childTnLst>
               </p:cTn>
               <p:prevCondLst>
@@ -8931,6 +9023,9 @@
         </p:cTn>
       </p:par>
     </p:tnLst>
+    <p:bldLst>
+      <p:bldP spid="6" grpId="0"/>
+    </p:bldLst>
   </p:timing>
 </p:sld>
 </file>
@@ -9071,7 +9166,7 @@
           <a:p>
             <a:pPr lvl="1" algn="ctr"/>
             <a:r>
-              <a:rPr lang="en-US" sz="4800" dirty="0"/>
+              <a:rPr lang="en-US" sz="4800" u="sng" dirty="0"/>
               <a:t>If it helps:</a:t>
             </a:r>
           </a:p>
@@ -10259,7 +10354,7 @@
         </p:nvSpPr>
         <p:spPr>
           <a:xfrm>
-            <a:off x="-309369" y="237910"/>
+            <a:off x="130246" y="308249"/>
             <a:ext cx="12501369" cy="7394332"/>
           </a:xfrm>
           <a:prstGeom prst="rect">
@@ -10376,6 +10471,70 @@
               <a:t>Dr. Nike Dattani, MATH 135, Fall 2021</a:t>
             </a:r>
             <a:endParaRPr lang="en-US" dirty="0"/>
+          </a:p>
+        </p:txBody>
+      </p:sp>
+      <p:sp>
+        <p:nvSpPr>
+          <p:cNvPr id="3" name="TextBox 2">
+            <a:extLst>
+              <a:ext uri="{FF2B5EF4-FFF2-40B4-BE49-F238E27FC236}">
+                <a16:creationId xmlns:a16="http://schemas.microsoft.com/office/drawing/2014/main" id="{1AA5668F-AE6B-4FD3-B398-BDD2BA3B7F34}"/>
+              </a:ext>
+            </a:extLst>
+          </p:cNvPr>
+          <p:cNvSpPr txBox="1"/>
+          <p:nvPr/>
+        </p:nvSpPr>
+        <p:spPr>
+          <a:xfrm>
+            <a:off x="606670" y="2039815"/>
+            <a:ext cx="10700237" cy="1477328"/>
+          </a:xfrm>
+          <a:prstGeom prst="rect">
+            <a:avLst/>
+          </a:prstGeom>
+          <a:noFill/>
+        </p:spPr>
+        <p:txBody>
+          <a:bodyPr wrap="square" rtlCol="0">
+            <a:spAutoFit/>
+          </a:bodyPr>
+          <a:lstStyle/>
+          <a:p>
+            <a:r>
+              <a:rPr lang="en-US" dirty="0"/>
+              <a:t>English “or” = Exclusive OR (XOR) </a:t>
+            </a:r>
+          </a:p>
+          <a:p>
+            <a:pPr marL="1200150" lvl="2" indent="-285750">
+              <a:buFont typeface="Arial" panose="020B0604020202020204" pitchFamily="34" charset="0"/>
+              <a:buChar char="•"/>
+            </a:pPr>
+            <a:r>
+              <a:rPr lang="en-US" dirty="0"/>
+              <a:t>A and B have to be different (one true and the other false) for A XOR B to be true</a:t>
+            </a:r>
+          </a:p>
+          <a:p>
+            <a:endParaRPr lang="en-US" dirty="0"/>
+          </a:p>
+          <a:p>
+            <a:r>
+              <a:rPr lang="en-US" dirty="0"/>
+              <a:t>MATH 135 “or” = Inclusive OR</a:t>
+            </a:r>
+          </a:p>
+          <a:p>
+            <a:pPr marL="1200150" lvl="2" indent="-285750">
+              <a:buFont typeface="Arial" panose="020B0604020202020204" pitchFamily="34" charset="0"/>
+              <a:buChar char="•"/>
+            </a:pPr>
+            <a:r>
+              <a:rPr lang="en-US" dirty="0"/>
+              <a:t>Only one of A or B has to be true for A V B to be true.  </a:t>
+            </a:r>
           </a:p>
         </p:txBody>
       </p:sp>
@@ -10389,137 +10548,6 @@
   <p:clrMapOvr>
     <a:masterClrMapping/>
   </p:clrMapOvr>
-  <p:timing>
-    <p:tnLst>
-      <p:par>
-        <p:cTn id="1" dur="indefinite" restart="never" nodeType="tmRoot">
-          <p:childTnLst>
-            <p:seq concurrent="1" nextAc="seek">
-              <p:cTn id="2" dur="indefinite" nodeType="mainSeq">
-                <p:childTnLst>
-                  <p:par>
-                    <p:cTn id="3" fill="hold">
-                      <p:stCondLst>
-                        <p:cond delay="indefinite"/>
-                        <p:cond evt="onBegin" delay="0">
-                          <p:tn val="2"/>
-                        </p:cond>
-                      </p:stCondLst>
-                      <p:childTnLst>
-                        <p:par>
-                          <p:cTn id="4" fill="hold">
-                            <p:stCondLst>
-                              <p:cond delay="0"/>
-                            </p:stCondLst>
-                            <p:childTnLst>
-                              <p:par>
-                                <p:cTn id="5" presetID="1" presetClass="entr" presetSubtype="0" fill="hold" nodeType="withEffect">
-                                  <p:stCondLst>
-                                    <p:cond delay="0"/>
-                                  </p:stCondLst>
-                                  <p:childTnLst>
-                                    <p:set>
-                                      <p:cBhvr>
-                                        <p:cTn id="6" dur="1" fill="hold">
-                                          <p:stCondLst>
-                                            <p:cond delay="0"/>
-                                          </p:stCondLst>
-                                        </p:cTn>
-                                        <p:tgtEl>
-                                          <p:spTgt spid="4">
-                                            <p:txEl>
-                                              <p:pRg st="10" end="10"/>
-                                            </p:txEl>
-                                          </p:spTgt>
-                                        </p:tgtEl>
-                                        <p:attrNameLst>
-                                          <p:attrName>style.visibility</p:attrName>
-                                        </p:attrNameLst>
-                                      </p:cBhvr>
-                                      <p:to>
-                                        <p:strVal val="visible"/>
-                                      </p:to>
-                                    </p:set>
-                                  </p:childTnLst>
-                                </p:cTn>
-                              </p:par>
-                            </p:childTnLst>
-                          </p:cTn>
-                        </p:par>
-                      </p:childTnLst>
-                    </p:cTn>
-                  </p:par>
-                  <p:par>
-                    <p:cTn id="7" fill="hold">
-                      <p:stCondLst>
-                        <p:cond delay="indefinite"/>
-                      </p:stCondLst>
-                      <p:childTnLst>
-                        <p:par>
-                          <p:cTn id="8" fill="hold">
-                            <p:stCondLst>
-                              <p:cond delay="0"/>
-                            </p:stCondLst>
-                            <p:childTnLst>
-                              <p:par>
-                                <p:cTn id="9" presetID="1" presetClass="entr" presetSubtype="0" fill="hold" nodeType="clickEffect">
-                                  <p:stCondLst>
-                                    <p:cond delay="0"/>
-                                  </p:stCondLst>
-                                  <p:childTnLst>
-                                    <p:set>
-                                      <p:cBhvr>
-                                        <p:cTn id="10" dur="1" fill="hold">
-                                          <p:stCondLst>
-                                            <p:cond delay="0"/>
-                                          </p:stCondLst>
-                                        </p:cTn>
-                                        <p:tgtEl>
-                                          <p:spTgt spid="4">
-                                            <p:txEl>
-                                              <p:pRg st="0" end="0"/>
-                                            </p:txEl>
-                                          </p:spTgt>
-                                        </p:tgtEl>
-                                        <p:attrNameLst>
-                                          <p:attrName>style.visibility</p:attrName>
-                                        </p:attrNameLst>
-                                      </p:cBhvr>
-                                      <p:to>
-                                        <p:strVal val="visible"/>
-                                      </p:to>
-                                    </p:set>
-                                  </p:childTnLst>
-                                </p:cTn>
-                              </p:par>
-                            </p:childTnLst>
-                          </p:cTn>
-                        </p:par>
-                      </p:childTnLst>
-                    </p:cTn>
-                  </p:par>
-                </p:childTnLst>
-              </p:cTn>
-              <p:prevCondLst>
-                <p:cond evt="onPrev" delay="0">
-                  <p:tgtEl>
-                    <p:sldTgt/>
-                  </p:tgtEl>
-                </p:cond>
-              </p:prevCondLst>
-              <p:nextCondLst>
-                <p:cond evt="onNext" delay="0">
-                  <p:tgtEl>
-                    <p:sldTgt/>
-                  </p:tgtEl>
-                </p:cond>
-              </p:nextCondLst>
-            </p:seq>
-          </p:childTnLst>
-        </p:cTn>
-      </p:par>
-    </p:tnLst>
-  </p:timing>
 </p:sld>
 </file>
 
